--- a/Object-Oriented Programming with CPP/13.3 Vector in C++ STL.pptx
+++ b/Object-Oriented Programming with CPP/13.3 Vector in C++ STL.pptx
@@ -14,7 +14,8 @@
     <p:sldId id="272" r:id="rId8"/>
     <p:sldId id="275" r:id="rId9"/>
     <p:sldId id="276" r:id="rId10"/>
-    <p:sldId id="262" r:id="rId11"/>
+    <p:sldId id="277" r:id="rId11"/>
+    <p:sldId id="262" r:id="rId12"/>
   </p:sldIdLst>
   <p:sldSz cx="12192000" cy="6858000"/>
   <p:notesSz cx="6858000" cy="9144000"/>
@@ -250,7 +251,7 @@
           <a:p>
             <a:fld id="{EEE2597E-5B9C-4223-A3DC-E2371CBFDE86}" type="datetimeFigureOut">
               <a:rPr lang="en-US" smtClean="0"/>
-              <a:t>5/11/2022</a:t>
+              <a:t>12/29/2022</a:t>
             </a:fld>
             <a:endParaRPr lang="en-US"/>
           </a:p>
@@ -418,7 +419,7 @@
           <a:p>
             <a:fld id="{EEE2597E-5B9C-4223-A3DC-E2371CBFDE86}" type="datetimeFigureOut">
               <a:rPr lang="en-US" smtClean="0"/>
-              <a:t>5/11/2022</a:t>
+              <a:t>12/29/2022</a:t>
             </a:fld>
             <a:endParaRPr lang="en-US"/>
           </a:p>
@@ -596,7 +597,7 @@
           <a:p>
             <a:fld id="{EEE2597E-5B9C-4223-A3DC-E2371CBFDE86}" type="datetimeFigureOut">
               <a:rPr lang="en-US" smtClean="0"/>
-              <a:t>5/11/2022</a:t>
+              <a:t>12/29/2022</a:t>
             </a:fld>
             <a:endParaRPr lang="en-US"/>
           </a:p>
@@ -764,7 +765,7 @@
           <a:p>
             <a:fld id="{EEE2597E-5B9C-4223-A3DC-E2371CBFDE86}" type="datetimeFigureOut">
               <a:rPr lang="en-US" smtClean="0"/>
-              <a:t>5/11/2022</a:t>
+              <a:t>12/29/2022</a:t>
             </a:fld>
             <a:endParaRPr lang="en-US"/>
           </a:p>
@@ -1009,7 +1010,7 @@
           <a:p>
             <a:fld id="{EEE2597E-5B9C-4223-A3DC-E2371CBFDE86}" type="datetimeFigureOut">
               <a:rPr lang="en-US" smtClean="0"/>
-              <a:t>5/11/2022</a:t>
+              <a:t>12/29/2022</a:t>
             </a:fld>
             <a:endParaRPr lang="en-US"/>
           </a:p>
@@ -1238,7 +1239,7 @@
           <a:p>
             <a:fld id="{EEE2597E-5B9C-4223-A3DC-E2371CBFDE86}" type="datetimeFigureOut">
               <a:rPr lang="en-US" smtClean="0"/>
-              <a:t>5/11/2022</a:t>
+              <a:t>12/29/2022</a:t>
             </a:fld>
             <a:endParaRPr lang="en-US"/>
           </a:p>
@@ -1602,7 +1603,7 @@
           <a:p>
             <a:fld id="{EEE2597E-5B9C-4223-A3DC-E2371CBFDE86}" type="datetimeFigureOut">
               <a:rPr lang="en-US" smtClean="0"/>
-              <a:t>5/11/2022</a:t>
+              <a:t>12/29/2022</a:t>
             </a:fld>
             <a:endParaRPr lang="en-US"/>
           </a:p>
@@ -1719,7 +1720,7 @@
           <a:p>
             <a:fld id="{EEE2597E-5B9C-4223-A3DC-E2371CBFDE86}" type="datetimeFigureOut">
               <a:rPr lang="en-US" smtClean="0"/>
-              <a:t>5/11/2022</a:t>
+              <a:t>12/29/2022</a:t>
             </a:fld>
             <a:endParaRPr lang="en-US"/>
           </a:p>
@@ -1814,7 +1815,7 @@
           <a:p>
             <a:fld id="{EEE2597E-5B9C-4223-A3DC-E2371CBFDE86}" type="datetimeFigureOut">
               <a:rPr lang="en-US" smtClean="0"/>
-              <a:t>5/11/2022</a:t>
+              <a:t>12/29/2022</a:t>
             </a:fld>
             <a:endParaRPr lang="en-US"/>
           </a:p>
@@ -2089,7 +2090,7 @@
           <a:p>
             <a:fld id="{EEE2597E-5B9C-4223-A3DC-E2371CBFDE86}" type="datetimeFigureOut">
               <a:rPr lang="en-US" smtClean="0"/>
-              <a:t>5/11/2022</a:t>
+              <a:t>12/29/2022</a:t>
             </a:fld>
             <a:endParaRPr lang="en-US"/>
           </a:p>
@@ -2341,7 +2342,7 @@
           <a:p>
             <a:fld id="{EEE2597E-5B9C-4223-A3DC-E2371CBFDE86}" type="datetimeFigureOut">
               <a:rPr lang="en-US" smtClean="0"/>
-              <a:t>5/11/2022</a:t>
+              <a:t>12/29/2022</a:t>
             </a:fld>
             <a:endParaRPr lang="en-US"/>
           </a:p>
@@ -2561,7 +2562,7 @@
           <a:p>
             <a:fld id="{EEE2597E-5B9C-4223-A3DC-E2371CBFDE86}" type="datetimeFigureOut">
               <a:rPr lang="en-US" smtClean="0"/>
-              <a:t>5/11/2022</a:t>
+              <a:t>12/29/2022</a:t>
             </a:fld>
             <a:endParaRPr lang="en-US"/>
           </a:p>
@@ -3152,6 +3153,235 @@
             <p:ph type="title"/>
           </p:nvPr>
         </p:nvSpPr>
+        <p:spPr/>
+        <p:txBody>
+          <a:bodyPr>
+            <a:normAutofit/>
+          </a:bodyPr>
+          <a:lstStyle/>
+          <a:p>
+            <a:pPr algn="ctr"/>
+            <a:r>
+              <a:rPr lang="en-US" sz="3600" b="1" dirty="0">
+                <a:solidFill>
+                  <a:srgbClr val="002060"/>
+                </a:solidFill>
+                <a:latin typeface="Times New Roman" panose="02020603050405020304" pitchFamily="18" charset="0"/>
+                <a:cs typeface="Times New Roman" panose="02020603050405020304" pitchFamily="18" charset="0"/>
+              </a:rPr>
+              <a:t>Functions associated with Vector</a:t>
+            </a:r>
+          </a:p>
+        </p:txBody>
+      </p:sp>
+      <p:sp>
+        <p:nvSpPr>
+          <p:cNvPr id="3" name="Content Placeholder 2"/>
+          <p:cNvSpPr>
+            <a:spLocks noGrp="1"/>
+          </p:cNvSpPr>
+          <p:nvPr>
+            <p:ph idx="1"/>
+          </p:nvPr>
+        </p:nvSpPr>
+        <p:spPr/>
+        <p:txBody>
+          <a:bodyPr>
+            <a:normAutofit/>
+          </a:bodyPr>
+          <a:lstStyle/>
+          <a:p>
+            <a:pPr algn="just">
+              <a:buClr>
+                <a:srgbClr val="002060"/>
+              </a:buClr>
+              <a:buFont typeface="Wingdings" panose="05000000000000000000" pitchFamily="2" charset="2"/>
+              <a:buChar char="Ø"/>
+            </a:pPr>
+            <a:r>
+              <a:rPr lang="en-US" sz="2400" b="1" i="1" dirty="0">
+                <a:solidFill>
+                  <a:srgbClr val="002060"/>
+                </a:solidFill>
+                <a:latin typeface="Times New Roman" panose="02020603050405020304" pitchFamily="18" charset="0"/>
+                <a:cs typeface="Times New Roman" panose="02020603050405020304" pitchFamily="18" charset="0"/>
+              </a:rPr>
+              <a:t>Write a C++ program that accepts a even numbers list of five items from the keyboard and stores them in a vector. Extend the program to accomplish the following:</a:t>
+            </a:r>
+          </a:p>
+          <a:p>
+            <a:pPr algn="just">
+              <a:buClr>
+                <a:srgbClr val="002060"/>
+              </a:buClr>
+              <a:buFont typeface="Wingdings" panose="05000000000000000000" pitchFamily="2" charset="2"/>
+              <a:buChar char="Ø"/>
+            </a:pPr>
+            <a:r>
+              <a:rPr lang="en-US" sz="2400" b="1" i="1" dirty="0" err="1">
+                <a:solidFill>
+                  <a:srgbClr val="002060"/>
+                </a:solidFill>
+                <a:latin typeface="Times New Roman" panose="02020603050405020304" pitchFamily="18" charset="0"/>
+                <a:cs typeface="Times New Roman" panose="02020603050405020304" pitchFamily="18" charset="0"/>
+              </a:rPr>
+              <a:t>i</a:t>
+            </a:r>
+            <a:r>
+              <a:rPr lang="en-US" sz="2400" b="1" i="1" dirty="0">
+                <a:solidFill>
+                  <a:srgbClr val="002060"/>
+                </a:solidFill>
+                <a:latin typeface="Times New Roman" panose="02020603050405020304" pitchFamily="18" charset="0"/>
+                <a:cs typeface="Times New Roman" panose="02020603050405020304" pitchFamily="18" charset="0"/>
+              </a:rPr>
+              <a:t>. To delete a specified item in the list</a:t>
+            </a:r>
+          </a:p>
+          <a:p>
+            <a:pPr algn="just">
+              <a:buClr>
+                <a:srgbClr val="002060"/>
+              </a:buClr>
+              <a:buFont typeface="Wingdings" panose="05000000000000000000" pitchFamily="2" charset="2"/>
+              <a:buChar char="Ø"/>
+            </a:pPr>
+            <a:r>
+              <a:rPr lang="en-US" sz="2400" b="1" i="1" dirty="0">
+                <a:solidFill>
+                  <a:srgbClr val="002060"/>
+                </a:solidFill>
+                <a:latin typeface="Times New Roman" panose="02020603050405020304" pitchFamily="18" charset="0"/>
+                <a:cs typeface="Times New Roman" panose="02020603050405020304" pitchFamily="18" charset="0"/>
+              </a:rPr>
+              <a:t>ii. To add an item at a specified location</a:t>
+            </a:r>
+          </a:p>
+          <a:p>
+            <a:pPr algn="just">
+              <a:buClr>
+                <a:srgbClr val="002060"/>
+              </a:buClr>
+              <a:buFont typeface="Wingdings" panose="05000000000000000000" pitchFamily="2" charset="2"/>
+              <a:buChar char="Ø"/>
+            </a:pPr>
+            <a:r>
+              <a:rPr lang="en-US" sz="2400" b="1" i="1" dirty="0">
+                <a:solidFill>
+                  <a:srgbClr val="002060"/>
+                </a:solidFill>
+                <a:latin typeface="Times New Roman" panose="02020603050405020304" pitchFamily="18" charset="0"/>
+                <a:cs typeface="Times New Roman" panose="02020603050405020304" pitchFamily="18" charset="0"/>
+              </a:rPr>
+              <a:t>iii. To sort the elements in the descending order</a:t>
+            </a:r>
+          </a:p>
+          <a:p>
+            <a:pPr algn="just">
+              <a:buClr>
+                <a:srgbClr val="002060"/>
+              </a:buClr>
+              <a:buFont typeface="Wingdings" panose="05000000000000000000" pitchFamily="2" charset="2"/>
+              <a:buChar char="Ø"/>
+            </a:pPr>
+            <a:r>
+              <a:rPr lang="en-US" sz="2400" b="1" i="1" dirty="0">
+                <a:solidFill>
+                  <a:srgbClr val="002060"/>
+                </a:solidFill>
+                <a:latin typeface="Times New Roman" panose="02020603050405020304" pitchFamily="18" charset="0"/>
+                <a:cs typeface="Times New Roman" panose="02020603050405020304" pitchFamily="18" charset="0"/>
+              </a:rPr>
+              <a:t>iv. To add a smaller item at the end</a:t>
+            </a:r>
+          </a:p>
+          <a:p>
+            <a:pPr algn="just">
+              <a:buClr>
+                <a:srgbClr val="002060"/>
+              </a:buClr>
+              <a:buFont typeface="Wingdings" panose="05000000000000000000" pitchFamily="2" charset="2"/>
+              <a:buChar char="Ø"/>
+            </a:pPr>
+            <a:r>
+              <a:rPr lang="en-US" sz="2400" b="1" i="1" dirty="0">
+                <a:solidFill>
+                  <a:srgbClr val="002060"/>
+                </a:solidFill>
+                <a:latin typeface="Times New Roman" panose="02020603050405020304" pitchFamily="18" charset="0"/>
+                <a:cs typeface="Times New Roman" panose="02020603050405020304" pitchFamily="18" charset="0"/>
+              </a:rPr>
+              <a:t>v. </a:t>
+            </a:r>
+            <a:r>
+              <a:rPr lang="en-US" sz="2400" b="1" i="1">
+                <a:solidFill>
+                  <a:srgbClr val="002060"/>
+                </a:solidFill>
+                <a:latin typeface="Times New Roman" panose="02020603050405020304" pitchFamily="18" charset="0"/>
+                <a:cs typeface="Times New Roman" panose="02020603050405020304" pitchFamily="18" charset="0"/>
+              </a:rPr>
+              <a:t>To print the contents of the vector</a:t>
+            </a:r>
+          </a:p>
+          <a:p>
+            <a:pPr algn="just">
+              <a:buClr>
+                <a:srgbClr val="002060"/>
+              </a:buClr>
+              <a:buFont typeface="Wingdings" panose="05000000000000000000" pitchFamily="2" charset="2"/>
+              <a:buChar char="Ø"/>
+            </a:pPr>
+            <a:endParaRPr lang="en-US" sz="2400" b="1" i="1" dirty="0">
+              <a:solidFill>
+                <a:srgbClr val="002060"/>
+              </a:solidFill>
+              <a:latin typeface="Times New Roman" panose="02020603050405020304" pitchFamily="18" charset="0"/>
+              <a:cs typeface="Times New Roman" panose="02020603050405020304" pitchFamily="18" charset="0"/>
+            </a:endParaRPr>
+          </a:p>
+        </p:txBody>
+      </p:sp>
+    </p:spTree>
+    <p:extLst>
+      <p:ext uri="{BB962C8B-B14F-4D97-AF65-F5344CB8AC3E}">
+        <p14:creationId xmlns:p14="http://schemas.microsoft.com/office/powerpoint/2010/main" val="3312905357"/>
+      </p:ext>
+    </p:extLst>
+  </p:cSld>
+  <p:clrMapOvr>
+    <a:masterClrMapping/>
+  </p:clrMapOvr>
+</p:sld>
+</file>
+
+<file path=ppt/slides/slide11.xml><?xml version="1.0" encoding="utf-8"?>
+<p:sld xmlns:a="http://schemas.openxmlformats.org/drawingml/2006/main" xmlns:r="http://schemas.openxmlformats.org/officeDocument/2006/relationships" xmlns:p="http://schemas.openxmlformats.org/presentationml/2006/main">
+  <p:cSld>
+    <p:spTree>
+      <p:nvGrpSpPr>
+        <p:cNvPr id="1" name=""/>
+        <p:cNvGrpSpPr/>
+        <p:nvPr/>
+      </p:nvGrpSpPr>
+      <p:grpSpPr>
+        <a:xfrm>
+          <a:off x="0" y="0"/>
+          <a:ext cx="0" cy="0"/>
+          <a:chOff x="0" y="0"/>
+          <a:chExt cx="0" cy="0"/>
+        </a:xfrm>
+      </p:grpSpPr>
+      <p:sp>
+        <p:nvSpPr>
+          <p:cNvPr id="2" name="Title 1"/>
+          <p:cNvSpPr>
+            <a:spLocks noGrp="1"/>
+          </p:cNvSpPr>
+          <p:nvPr>
+            <p:ph type="title"/>
+          </p:nvPr>
+        </p:nvSpPr>
         <p:spPr>
           <a:xfrm>
             <a:off x="1050234" y="2883038"/>
